--- a/Contactless-Employee-Check-In-System-Model-Report.pptx
+++ b/Contactless-Employee-Check-In-System-Model-Report.pptx
@@ -14041,21 +14041,21 @@
           <a:p>
             <a:r>
               <a:rPr lang="en-US" dirty="0"/>
-              <a:t>Explain the rationale for using 70-30 split.</a:t>
+              <a:t>Train Test data 70-30 split.</a:t>
             </a:r>
             <a:endParaRPr lang="en-US" dirty="0"/>
           </a:p>
           <a:p>
             <a:r>
               <a:rPr lang="en-US" dirty="0"/>
-              <a:t>Ensure the target variable ('Activity') is separated from features.</a:t>
+              <a:t>Ensured the target variable ('Activity') is separated from features.</a:t>
             </a:r>
             <a:endParaRPr lang="en-US" dirty="0"/>
           </a:p>
           <a:p>
             <a:r>
               <a:rPr lang="en-US" dirty="0"/>
-              <a:t>Display shapes of the split datasets.</a:t>
+              <a:t>Shapes of the split datasets.</a:t>
             </a:r>
             <a:endParaRPr lang="en-US" dirty="0"/>
           </a:p>
